--- a/20220108 기획 리뉴얼.pptx
+++ b/20220108 기획 리뉴얼.pptx
@@ -14,12 +14,13 @@
     <p:sldId id="262" r:id="rId8"/>
     <p:sldId id="263" r:id="rId9"/>
     <p:sldId id="271" r:id="rId10"/>
-    <p:sldId id="266" r:id="rId11"/>
-    <p:sldId id="267" r:id="rId12"/>
-    <p:sldId id="268" r:id="rId13"/>
-    <p:sldId id="269" r:id="rId14"/>
-    <p:sldId id="270" r:id="rId15"/>
-    <p:sldId id="261" r:id="rId16"/>
+    <p:sldId id="272" r:id="rId11"/>
+    <p:sldId id="266" r:id="rId12"/>
+    <p:sldId id="267" r:id="rId13"/>
+    <p:sldId id="268" r:id="rId14"/>
+    <p:sldId id="269" r:id="rId15"/>
+    <p:sldId id="270" r:id="rId16"/>
+    <p:sldId id="261" r:id="rId17"/>
   </p:sldIdLst>
   <p:sldSz cx="12192000" cy="6858000"/>
   <p:notesSz cx="6858000" cy="9144000"/>
@@ -275,7 +276,7 @@
           <a:p>
             <a:fld id="{F4902955-B3B9-471C-969B-4B4B787780EC}" type="datetimeFigureOut">
               <a:rPr lang="ko-KR" altLang="en-US" smtClean="0"/>
-              <a:t>2022-01-30</a:t>
+              <a:t>2022-03-07</a:t>
             </a:fld>
             <a:endParaRPr lang="ko-KR" altLang="en-US"/>
           </a:p>
@@ -475,7 +476,7 @@
           <a:p>
             <a:fld id="{F4902955-B3B9-471C-969B-4B4B787780EC}" type="datetimeFigureOut">
               <a:rPr lang="ko-KR" altLang="en-US" smtClean="0"/>
-              <a:t>2022-01-30</a:t>
+              <a:t>2022-03-07</a:t>
             </a:fld>
             <a:endParaRPr lang="ko-KR" altLang="en-US"/>
           </a:p>
@@ -685,7 +686,7 @@
           <a:p>
             <a:fld id="{F4902955-B3B9-471C-969B-4B4B787780EC}" type="datetimeFigureOut">
               <a:rPr lang="ko-KR" altLang="en-US" smtClean="0"/>
-              <a:t>2022-01-30</a:t>
+              <a:t>2022-03-07</a:t>
             </a:fld>
             <a:endParaRPr lang="ko-KR" altLang="en-US"/>
           </a:p>
@@ -885,7 +886,7 @@
           <a:p>
             <a:fld id="{F4902955-B3B9-471C-969B-4B4B787780EC}" type="datetimeFigureOut">
               <a:rPr lang="ko-KR" altLang="en-US" smtClean="0"/>
-              <a:t>2022-01-30</a:t>
+              <a:t>2022-03-07</a:t>
             </a:fld>
             <a:endParaRPr lang="ko-KR" altLang="en-US"/>
           </a:p>
@@ -1161,7 +1162,7 @@
           <a:p>
             <a:fld id="{F4902955-B3B9-471C-969B-4B4B787780EC}" type="datetimeFigureOut">
               <a:rPr lang="ko-KR" altLang="en-US" smtClean="0"/>
-              <a:t>2022-01-30</a:t>
+              <a:t>2022-03-07</a:t>
             </a:fld>
             <a:endParaRPr lang="ko-KR" altLang="en-US"/>
           </a:p>
@@ -1429,7 +1430,7 @@
           <a:p>
             <a:fld id="{F4902955-B3B9-471C-969B-4B4B787780EC}" type="datetimeFigureOut">
               <a:rPr lang="ko-KR" altLang="en-US" smtClean="0"/>
-              <a:t>2022-01-30</a:t>
+              <a:t>2022-03-07</a:t>
             </a:fld>
             <a:endParaRPr lang="ko-KR" altLang="en-US"/>
           </a:p>
@@ -1844,7 +1845,7 @@
           <a:p>
             <a:fld id="{F4902955-B3B9-471C-969B-4B4B787780EC}" type="datetimeFigureOut">
               <a:rPr lang="ko-KR" altLang="en-US" smtClean="0"/>
-              <a:t>2022-01-30</a:t>
+              <a:t>2022-03-07</a:t>
             </a:fld>
             <a:endParaRPr lang="ko-KR" altLang="en-US"/>
           </a:p>
@@ -1986,7 +1987,7 @@
           <a:p>
             <a:fld id="{F4902955-B3B9-471C-969B-4B4B787780EC}" type="datetimeFigureOut">
               <a:rPr lang="ko-KR" altLang="en-US" smtClean="0"/>
-              <a:t>2022-01-30</a:t>
+              <a:t>2022-03-07</a:t>
             </a:fld>
             <a:endParaRPr lang="ko-KR" altLang="en-US"/>
           </a:p>
@@ -2099,7 +2100,7 @@
           <a:p>
             <a:fld id="{F4902955-B3B9-471C-969B-4B4B787780EC}" type="datetimeFigureOut">
               <a:rPr lang="ko-KR" altLang="en-US" smtClean="0"/>
-              <a:t>2022-01-30</a:t>
+              <a:t>2022-03-07</a:t>
             </a:fld>
             <a:endParaRPr lang="ko-KR" altLang="en-US"/>
           </a:p>
@@ -2412,7 +2413,7 @@
           <a:p>
             <a:fld id="{F4902955-B3B9-471C-969B-4B4B787780EC}" type="datetimeFigureOut">
               <a:rPr lang="ko-KR" altLang="en-US" smtClean="0"/>
-              <a:t>2022-01-30</a:t>
+              <a:t>2022-03-07</a:t>
             </a:fld>
             <a:endParaRPr lang="ko-KR" altLang="en-US"/>
           </a:p>
@@ -2701,7 +2702,7 @@
           <a:p>
             <a:fld id="{F4902955-B3B9-471C-969B-4B4B787780EC}" type="datetimeFigureOut">
               <a:rPr lang="ko-KR" altLang="en-US" smtClean="0"/>
-              <a:t>2022-01-30</a:t>
+              <a:t>2022-03-07</a:t>
             </a:fld>
             <a:endParaRPr lang="ko-KR" altLang="en-US"/>
           </a:p>
@@ -2944,7 +2945,7 @@
           <a:p>
             <a:fld id="{F4902955-B3B9-471C-969B-4B4B787780EC}" type="datetimeFigureOut">
               <a:rPr lang="ko-KR" altLang="en-US" smtClean="0"/>
-              <a:t>2022-01-30</a:t>
+              <a:t>2022-03-07</a:t>
             </a:fld>
             <a:endParaRPr lang="ko-KR" altLang="en-US"/>
           </a:p>
@@ -3452,6 +3453,274 @@
           <a:chExt cx="0" cy="0"/>
         </a:xfrm>
       </p:grpSpPr>
+      <p:pic>
+        <p:nvPicPr>
+          <p:cNvPr id="5" name="Picture 4">
+            <a:extLst>
+              <a:ext uri="{FF2B5EF4-FFF2-40B4-BE49-F238E27FC236}">
+                <a16:creationId xmlns:a16="http://schemas.microsoft.com/office/drawing/2014/main" id="{339B183A-3E7F-41F8-A5BD-D9046527B590}"/>
+              </a:ext>
+            </a:extLst>
+          </p:cNvPr>
+          <p:cNvPicPr>
+            <a:picLocks noChangeAspect="1"/>
+          </p:cNvPicPr>
+          <p:nvPr/>
+        </p:nvPicPr>
+        <p:blipFill>
+          <a:blip r:embed="rId2"/>
+          <a:stretch>
+            <a:fillRect/>
+          </a:stretch>
+        </p:blipFill>
+        <p:spPr>
+          <a:xfrm>
+            <a:off x="498809" y="1914939"/>
+            <a:ext cx="5597191" cy="3028121"/>
+          </a:xfrm>
+          <a:prstGeom prst="rect">
+            <a:avLst/>
+          </a:prstGeom>
+        </p:spPr>
+      </p:pic>
+      <p:sp>
+        <p:nvSpPr>
+          <p:cNvPr id="6" name="Title 1">
+            <a:extLst>
+              <a:ext uri="{FF2B5EF4-FFF2-40B4-BE49-F238E27FC236}">
+                <a16:creationId xmlns:a16="http://schemas.microsoft.com/office/drawing/2014/main" id="{5480530C-877E-44A1-B504-EAFC98806994}"/>
+              </a:ext>
+            </a:extLst>
+          </p:cNvPr>
+          <p:cNvSpPr>
+            <a:spLocks noGrp="1"/>
+          </p:cNvSpPr>
+          <p:nvPr>
+            <p:ph type="title"/>
+          </p:nvPr>
+        </p:nvSpPr>
+        <p:spPr>
+          <a:xfrm>
+            <a:off x="838200" y="365125"/>
+            <a:ext cx="10515600" cy="1325563"/>
+          </a:xfrm>
+        </p:spPr>
+        <p:txBody>
+          <a:bodyPr/>
+          <a:lstStyle/>
+          <a:p>
+            <a:r>
+              <a:rPr lang="ko-KR" altLang="en-US" dirty="0"/>
+              <a:t>크래프트</a:t>
+            </a:r>
+          </a:p>
+        </p:txBody>
+      </p:sp>
+      <p:pic>
+        <p:nvPicPr>
+          <p:cNvPr id="8" name="Picture 7">
+            <a:extLst>
+              <a:ext uri="{FF2B5EF4-FFF2-40B4-BE49-F238E27FC236}">
+                <a16:creationId xmlns:a16="http://schemas.microsoft.com/office/drawing/2014/main" id="{FAC788DE-BDF1-4A2B-A10D-EF3FCE7C9901}"/>
+              </a:ext>
+            </a:extLst>
+          </p:cNvPr>
+          <p:cNvPicPr>
+            <a:picLocks noChangeAspect="1"/>
+          </p:cNvPicPr>
+          <p:nvPr/>
+        </p:nvPicPr>
+        <p:blipFill>
+          <a:blip r:embed="rId3"/>
+          <a:stretch>
+            <a:fillRect/>
+          </a:stretch>
+        </p:blipFill>
+        <p:spPr>
+          <a:xfrm>
+            <a:off x="6223442" y="1914940"/>
+            <a:ext cx="5290779" cy="3032142"/>
+          </a:xfrm>
+          <a:prstGeom prst="rect">
+            <a:avLst/>
+          </a:prstGeom>
+        </p:spPr>
+      </p:pic>
+      <p:pic>
+        <p:nvPicPr>
+          <p:cNvPr id="9" name="Picture 8">
+            <a:extLst>
+              <a:ext uri="{FF2B5EF4-FFF2-40B4-BE49-F238E27FC236}">
+                <a16:creationId xmlns:a16="http://schemas.microsoft.com/office/drawing/2014/main" id="{6ED585DD-0587-4658-B7CC-5CC28E6E57CB}"/>
+              </a:ext>
+            </a:extLst>
+          </p:cNvPr>
+          <p:cNvPicPr>
+            <a:picLocks noChangeAspect="1"/>
+          </p:cNvPicPr>
+          <p:nvPr/>
+        </p:nvPicPr>
+        <p:blipFill rotWithShape="1">
+          <a:blip r:embed="rId2"/>
+          <a:srcRect l="73472" t="64977" r="22835" b="26405"/>
+          <a:stretch/>
+        </p:blipFill>
+        <p:spPr>
+          <a:xfrm>
+            <a:off x="6667629" y="3822700"/>
+            <a:ext cx="288468" cy="364132"/>
+          </a:xfrm>
+          <a:prstGeom prst="rect">
+            <a:avLst/>
+          </a:prstGeom>
+        </p:spPr>
+      </p:pic>
+      <p:pic>
+        <p:nvPicPr>
+          <p:cNvPr id="10" name="Picture 9">
+            <a:extLst>
+              <a:ext uri="{FF2B5EF4-FFF2-40B4-BE49-F238E27FC236}">
+                <a16:creationId xmlns:a16="http://schemas.microsoft.com/office/drawing/2014/main" id="{3297476A-5A1F-46FC-9BD9-AE40DEBF0B07}"/>
+              </a:ext>
+            </a:extLst>
+          </p:cNvPr>
+          <p:cNvPicPr>
+            <a:picLocks noChangeAspect="1"/>
+          </p:cNvPicPr>
+          <p:nvPr/>
+        </p:nvPicPr>
+        <p:blipFill rotWithShape="1">
+          <a:blip r:embed="rId2"/>
+          <a:srcRect l="73472" t="64977" r="22835" b="26405"/>
+          <a:stretch/>
+        </p:blipFill>
+        <p:spPr>
+          <a:xfrm>
+            <a:off x="7057099" y="3822700"/>
+            <a:ext cx="288468" cy="364132"/>
+          </a:xfrm>
+          <a:prstGeom prst="rect">
+            <a:avLst/>
+          </a:prstGeom>
+        </p:spPr>
+      </p:pic>
+      <p:pic>
+        <p:nvPicPr>
+          <p:cNvPr id="11" name="Picture 10">
+            <a:extLst>
+              <a:ext uri="{FF2B5EF4-FFF2-40B4-BE49-F238E27FC236}">
+                <a16:creationId xmlns:a16="http://schemas.microsoft.com/office/drawing/2014/main" id="{A43498B1-16C6-4C46-B55E-5606858F43BD}"/>
+              </a:ext>
+            </a:extLst>
+          </p:cNvPr>
+          <p:cNvPicPr>
+            <a:picLocks noChangeAspect="1"/>
+          </p:cNvPicPr>
+          <p:nvPr/>
+        </p:nvPicPr>
+        <p:blipFill rotWithShape="1">
+          <a:blip r:embed="rId2"/>
+          <a:srcRect l="73472" t="64977" r="22835" b="26405"/>
+          <a:stretch/>
+        </p:blipFill>
+        <p:spPr>
+          <a:xfrm>
+            <a:off x="7446569" y="3822700"/>
+            <a:ext cx="288468" cy="364132"/>
+          </a:xfrm>
+          <a:prstGeom prst="rect">
+            <a:avLst/>
+          </a:prstGeom>
+        </p:spPr>
+      </p:pic>
+      <p:pic>
+        <p:nvPicPr>
+          <p:cNvPr id="12" name="Picture 11">
+            <a:extLst>
+              <a:ext uri="{FF2B5EF4-FFF2-40B4-BE49-F238E27FC236}">
+                <a16:creationId xmlns:a16="http://schemas.microsoft.com/office/drawing/2014/main" id="{4E4AC81B-D6DD-4609-9666-5A16483190EE}"/>
+              </a:ext>
+            </a:extLst>
+          </p:cNvPr>
+          <p:cNvPicPr>
+            <a:picLocks noChangeAspect="1"/>
+          </p:cNvPicPr>
+          <p:nvPr/>
+        </p:nvPicPr>
+        <p:blipFill rotWithShape="1">
+          <a:blip r:embed="rId2"/>
+          <a:srcRect l="73472" t="64977" r="22835" b="26405"/>
+          <a:stretch/>
+        </p:blipFill>
+        <p:spPr>
+          <a:xfrm>
+            <a:off x="7836039" y="3822700"/>
+            <a:ext cx="288468" cy="364132"/>
+          </a:xfrm>
+          <a:prstGeom prst="rect">
+            <a:avLst/>
+          </a:prstGeom>
+        </p:spPr>
+      </p:pic>
+      <p:pic>
+        <p:nvPicPr>
+          <p:cNvPr id="13" name="Picture 12">
+            <a:extLst>
+              <a:ext uri="{FF2B5EF4-FFF2-40B4-BE49-F238E27FC236}">
+                <a16:creationId xmlns:a16="http://schemas.microsoft.com/office/drawing/2014/main" id="{13DE1D82-3DE9-49E2-B6AB-1503F127740F}"/>
+              </a:ext>
+            </a:extLst>
+          </p:cNvPr>
+          <p:cNvPicPr>
+            <a:picLocks noChangeAspect="1"/>
+          </p:cNvPicPr>
+          <p:nvPr/>
+        </p:nvPicPr>
+        <p:blipFill rotWithShape="1">
+          <a:blip r:embed="rId2"/>
+          <a:srcRect l="73472" t="64977" r="22835" b="26405"/>
+          <a:stretch/>
+        </p:blipFill>
+        <p:spPr>
+          <a:xfrm>
+            <a:off x="8225510" y="3822700"/>
+            <a:ext cx="288468" cy="364132"/>
+          </a:xfrm>
+          <a:prstGeom prst="rect">
+            <a:avLst/>
+          </a:prstGeom>
+        </p:spPr>
+      </p:pic>
+    </p:spTree>
+    <p:extLst>
+      <p:ext uri="{BB962C8B-B14F-4D97-AF65-F5344CB8AC3E}">
+        <p14:creationId xmlns:p14="http://schemas.microsoft.com/office/powerpoint/2010/main" val="2433263207"/>
+      </p:ext>
+    </p:extLst>
+  </p:cSld>
+  <p:clrMapOvr>
+    <a:masterClrMapping/>
+  </p:clrMapOvr>
+</p:sld>
+</file>
+
+<file path=ppt/slides/slide11.xml><?xml version="1.0" encoding="utf-8"?>
+<p:sld xmlns:a="http://schemas.openxmlformats.org/drawingml/2006/main" xmlns:r="http://schemas.openxmlformats.org/officeDocument/2006/relationships" xmlns:p="http://schemas.openxmlformats.org/presentationml/2006/main">
+  <p:cSld>
+    <p:spTree>
+      <p:nvGrpSpPr>
+        <p:cNvPr id="1" name=""/>
+        <p:cNvGrpSpPr/>
+        <p:nvPr/>
+      </p:nvGrpSpPr>
+      <p:grpSpPr>
+        <a:xfrm>
+          <a:off x="0" y="0"/>
+          <a:ext cx="0" cy="0"/>
+          <a:chOff x="0" y="0"/>
+          <a:chExt cx="0" cy="0"/>
+        </a:xfrm>
+      </p:grpSpPr>
       <p:sp>
         <p:nvSpPr>
           <p:cNvPr id="2" name="Title 1">
@@ -3518,7 +3787,7 @@
 </p:sld>
 </file>
 
-<file path=ppt/slides/slide11.xml><?xml version="1.0" encoding="utf-8"?>
+<file path=ppt/slides/slide12.xml><?xml version="1.0" encoding="utf-8"?>
 <p:sld xmlns:a="http://schemas.openxmlformats.org/drawingml/2006/main" xmlns:r="http://schemas.openxmlformats.org/officeDocument/2006/relationships" xmlns:p="http://schemas.openxmlformats.org/presentationml/2006/main">
   <p:cSld>
     <p:spTree>
@@ -4391,7 +4660,7 @@
 </p:sld>
 </file>
 
-<file path=ppt/slides/slide12.xml><?xml version="1.0" encoding="utf-8"?>
+<file path=ppt/slides/slide13.xml><?xml version="1.0" encoding="utf-8"?>
 <p:sld xmlns:a="http://schemas.openxmlformats.org/drawingml/2006/main" xmlns:r="http://schemas.openxmlformats.org/officeDocument/2006/relationships" xmlns:p="http://schemas.openxmlformats.org/presentationml/2006/main">
   <p:cSld>
     <p:spTree>
@@ -5375,92 +5644,6 @@
 </p:sld>
 </file>
 
-<file path=ppt/slides/slide13.xml><?xml version="1.0" encoding="utf-8"?>
-<p:sld xmlns:a="http://schemas.openxmlformats.org/drawingml/2006/main" xmlns:r="http://schemas.openxmlformats.org/officeDocument/2006/relationships" xmlns:p="http://schemas.openxmlformats.org/presentationml/2006/main">
-  <p:cSld>
-    <p:spTree>
-      <p:nvGrpSpPr>
-        <p:cNvPr id="1" name=""/>
-        <p:cNvGrpSpPr/>
-        <p:nvPr/>
-      </p:nvGrpSpPr>
-      <p:grpSpPr>
-        <a:xfrm>
-          <a:off x="0" y="0"/>
-          <a:ext cx="0" cy="0"/>
-          <a:chOff x="0" y="0"/>
-          <a:chExt cx="0" cy="0"/>
-        </a:xfrm>
-      </p:grpSpPr>
-      <p:sp>
-        <p:nvSpPr>
-          <p:cNvPr id="2" name="Title 1">
-            <a:extLst>
-              <a:ext uri="{FF2B5EF4-FFF2-40B4-BE49-F238E27FC236}">
-                <a16:creationId xmlns:a16="http://schemas.microsoft.com/office/drawing/2014/main" id="{7EF269BC-5676-4E49-8975-46FF04118985}"/>
-              </a:ext>
-            </a:extLst>
-          </p:cNvPr>
-          <p:cNvSpPr>
-            <a:spLocks noGrp="1"/>
-          </p:cNvSpPr>
-          <p:nvPr>
-            <p:ph type="title"/>
-          </p:nvPr>
-        </p:nvSpPr>
-        <p:spPr/>
-        <p:txBody>
-          <a:bodyPr/>
-          <a:lstStyle/>
-          <a:p>
-            <a:r>
-              <a:rPr lang="ko-KR" altLang="en-US" dirty="0"/>
-              <a:t>전투 설계 및 연출</a:t>
-            </a:r>
-          </a:p>
-        </p:txBody>
-      </p:sp>
-      <p:sp>
-        <p:nvSpPr>
-          <p:cNvPr id="3" name="Content Placeholder 2">
-            <a:extLst>
-              <a:ext uri="{FF2B5EF4-FFF2-40B4-BE49-F238E27FC236}">
-                <a16:creationId xmlns:a16="http://schemas.microsoft.com/office/drawing/2014/main" id="{B44947DE-8621-43F7-B10D-5BBA44D31895}"/>
-              </a:ext>
-            </a:extLst>
-          </p:cNvPr>
-          <p:cNvSpPr>
-            <a:spLocks noGrp="1"/>
-          </p:cNvSpPr>
-          <p:nvPr>
-            <p:ph idx="1"/>
-          </p:nvPr>
-        </p:nvSpPr>
-        <p:spPr/>
-        <p:txBody>
-          <a:bodyPr/>
-          <a:lstStyle/>
-          <a:p>
-            <a:r>
-              <a:rPr lang="ko-KR" altLang="en-US" dirty="0"/>
-              <a:t>가드해도 대미지는 감쇄될 뿐 들어온다</a:t>
-            </a:r>
-          </a:p>
-        </p:txBody>
-      </p:sp>
-    </p:spTree>
-    <p:extLst>
-      <p:ext uri="{BB962C8B-B14F-4D97-AF65-F5344CB8AC3E}">
-        <p14:creationId xmlns:p14="http://schemas.microsoft.com/office/powerpoint/2010/main" val="282925814"/>
-      </p:ext>
-    </p:extLst>
-  </p:cSld>
-  <p:clrMapOvr>
-    <a:masterClrMapping/>
-  </p:clrMapOvr>
-</p:sld>
-</file>
-
 <file path=ppt/slides/slide14.xml><?xml version="1.0" encoding="utf-8"?>
 <p:sld xmlns:a="http://schemas.openxmlformats.org/drawingml/2006/main" xmlns:r="http://schemas.openxmlformats.org/officeDocument/2006/relationships" xmlns:p="http://schemas.openxmlformats.org/presentationml/2006/main">
   <p:cSld>
@@ -5501,6 +5684,92 @@
           <a:p>
             <a:r>
               <a:rPr lang="ko-KR" altLang="en-US" dirty="0"/>
+              <a:t>전투 설계 및 연출</a:t>
+            </a:r>
+          </a:p>
+        </p:txBody>
+      </p:sp>
+      <p:sp>
+        <p:nvSpPr>
+          <p:cNvPr id="3" name="Content Placeholder 2">
+            <a:extLst>
+              <a:ext uri="{FF2B5EF4-FFF2-40B4-BE49-F238E27FC236}">
+                <a16:creationId xmlns:a16="http://schemas.microsoft.com/office/drawing/2014/main" id="{B44947DE-8621-43F7-B10D-5BBA44D31895}"/>
+              </a:ext>
+            </a:extLst>
+          </p:cNvPr>
+          <p:cNvSpPr>
+            <a:spLocks noGrp="1"/>
+          </p:cNvSpPr>
+          <p:nvPr>
+            <p:ph idx="1"/>
+          </p:nvPr>
+        </p:nvSpPr>
+        <p:spPr/>
+        <p:txBody>
+          <a:bodyPr/>
+          <a:lstStyle/>
+          <a:p>
+            <a:r>
+              <a:rPr lang="ko-KR" altLang="en-US" dirty="0"/>
+              <a:t>가드해도 대미지는 감쇄될 뿐 들어온다</a:t>
+            </a:r>
+          </a:p>
+        </p:txBody>
+      </p:sp>
+    </p:spTree>
+    <p:extLst>
+      <p:ext uri="{BB962C8B-B14F-4D97-AF65-F5344CB8AC3E}">
+        <p14:creationId xmlns:p14="http://schemas.microsoft.com/office/powerpoint/2010/main" val="282925814"/>
+      </p:ext>
+    </p:extLst>
+  </p:cSld>
+  <p:clrMapOvr>
+    <a:masterClrMapping/>
+  </p:clrMapOvr>
+</p:sld>
+</file>
+
+<file path=ppt/slides/slide15.xml><?xml version="1.0" encoding="utf-8"?>
+<p:sld xmlns:a="http://schemas.openxmlformats.org/drawingml/2006/main" xmlns:r="http://schemas.openxmlformats.org/officeDocument/2006/relationships" xmlns:p="http://schemas.openxmlformats.org/presentationml/2006/main">
+  <p:cSld>
+    <p:spTree>
+      <p:nvGrpSpPr>
+        <p:cNvPr id="1" name=""/>
+        <p:cNvGrpSpPr/>
+        <p:nvPr/>
+      </p:nvGrpSpPr>
+      <p:grpSpPr>
+        <a:xfrm>
+          <a:off x="0" y="0"/>
+          <a:ext cx="0" cy="0"/>
+          <a:chOff x="0" y="0"/>
+          <a:chExt cx="0" cy="0"/>
+        </a:xfrm>
+      </p:grpSpPr>
+      <p:sp>
+        <p:nvSpPr>
+          <p:cNvPr id="2" name="Title 1">
+            <a:extLst>
+              <a:ext uri="{FF2B5EF4-FFF2-40B4-BE49-F238E27FC236}">
+                <a16:creationId xmlns:a16="http://schemas.microsoft.com/office/drawing/2014/main" id="{7EF269BC-5676-4E49-8975-46FF04118985}"/>
+              </a:ext>
+            </a:extLst>
+          </p:cNvPr>
+          <p:cNvSpPr>
+            <a:spLocks noGrp="1"/>
+          </p:cNvSpPr>
+          <p:nvPr>
+            <p:ph type="title"/>
+          </p:nvPr>
+        </p:nvSpPr>
+        <p:spPr/>
+        <p:txBody>
+          <a:bodyPr/>
+          <a:lstStyle/>
+          <a:p>
+            <a:r>
+              <a:rPr lang="ko-KR" altLang="en-US" dirty="0"/>
               <a:t>난이도 상승</a:t>
             </a:r>
           </a:p>
@@ -5544,7 +5813,7 @@
 </p:sld>
 </file>
 
-<file path=ppt/slides/slide15.xml><?xml version="1.0" encoding="utf-8"?>
+<file path=ppt/slides/slide16.xml><?xml version="1.0" encoding="utf-8"?>
 <p:sld xmlns:a="http://schemas.openxmlformats.org/drawingml/2006/main" xmlns:r="http://schemas.openxmlformats.org/officeDocument/2006/relationships" xmlns:p="http://schemas.openxmlformats.org/presentationml/2006/main">
   <p:cSld>
     <p:spTree>
@@ -14000,7 +14269,7 @@
           <a:lstStyle/>
           <a:p>
             <a:r>
-              <a:rPr lang="ko-KR" altLang="en-US"/>
+              <a:rPr lang="ko-KR" altLang="en-US" dirty="0"/>
               <a:t>크래프트</a:t>
             </a:r>
           </a:p>
